--- a/Apresentacao.pptx
+++ b/Apresentacao.pptx
@@ -124,14 +124,6 @@
     </p:ext>
   </p:extLst>
 </p:presentation>
-</file>
-
-<file path=ppt/revisionInfo.xml><?xml version="1.0" encoding="utf-8"?>
-<p1510:revInfo xmlns:a="http://schemas.openxmlformats.org/drawingml/2006/main" xmlns:r="http://schemas.openxmlformats.org/officeDocument/2006/relationships" xmlns:p1510="http://schemas.microsoft.com/office/powerpoint/2015/10/main">
-  <p1510:revLst>
-    <p1510:client id="{353E3033-A531-4C55-9420-6B88110718D4}" v="10" dt="2020-12-03T15:10:38.709"/>
-  </p1510:revLst>
-</p1510:revInfo>
 </file>
 
 <file path=ppt/changesInfos/changesInfo1.xml><?xml version="1.0" encoding="utf-8"?>
@@ -655,6 +647,30 @@
       </pc:sldChg>
     </pc:docChg>
   </pc:docChgLst>
+  <pc:docChgLst>
+    <pc:chgData name="Simão Alves Vilaça" userId="5adb2146-089d-49e2-a5c9-204fb875b3be" providerId="ADAL" clId="{BF866D39-DEB6-4B30-A8E7-2F0DB5791CFB}"/>
+    <pc:docChg chg="modSld">
+      <pc:chgData name="Simão Alves Vilaça" userId="5adb2146-089d-49e2-a5c9-204fb875b3be" providerId="ADAL" clId="{BF866D39-DEB6-4B30-A8E7-2F0DB5791CFB}" dt="2020-12-10T16:14:26.973" v="29" actId="20577"/>
+      <pc:docMkLst>
+        <pc:docMk/>
+      </pc:docMkLst>
+      <pc:sldChg chg="modSp mod">
+        <pc:chgData name="Simão Alves Vilaça" userId="5adb2146-089d-49e2-a5c9-204fb875b3be" providerId="ADAL" clId="{BF866D39-DEB6-4B30-A8E7-2F0DB5791CFB}" dt="2020-12-10T16:14:26.973" v="29" actId="20577"/>
+        <pc:sldMkLst>
+          <pc:docMk/>
+          <pc:sldMk cId="4183826307" sldId="261"/>
+        </pc:sldMkLst>
+        <pc:spChg chg="mod">
+          <ac:chgData name="Simão Alves Vilaça" userId="5adb2146-089d-49e2-a5c9-204fb875b3be" providerId="ADAL" clId="{BF866D39-DEB6-4B30-A8E7-2F0DB5791CFB}" dt="2020-12-10T16:14:26.973" v="29" actId="20577"/>
+          <ac:spMkLst>
+            <pc:docMk/>
+            <pc:sldMk cId="4183826307" sldId="261"/>
+            <ac:spMk id="7" creationId="{435CBBCE-C081-410E-8CE9-D550FEE698E5}"/>
+          </ac:spMkLst>
+        </pc:spChg>
+      </pc:sldChg>
+    </pc:docChg>
+  </pc:docChgLst>
 </pc:chgInfo>
 </file>
 
@@ -9451,7 +9467,7 @@
           <a:p>
             <a:fld id="{373817A6-5958-48BC-BB85-8B46E7DF4CFB}" type="datetimeFigureOut">
               <a:rPr lang="pt-PT" smtClean="0"/>
-              <a:t>03/12/2020</a:t>
+              <a:t>10/12/2020</a:t>
             </a:fld>
             <a:endParaRPr lang="pt-PT"/>
           </a:p>
@@ -9658,7 +9674,7 @@
           <a:p>
             <a:fld id="{373817A6-5958-48BC-BB85-8B46E7DF4CFB}" type="datetimeFigureOut">
               <a:rPr lang="pt-PT" smtClean="0"/>
-              <a:t>03/12/2020</a:t>
+              <a:t>10/12/2020</a:t>
             </a:fld>
             <a:endParaRPr lang="pt-PT"/>
           </a:p>
@@ -9838,7 +9854,7 @@
           <a:p>
             <a:fld id="{373817A6-5958-48BC-BB85-8B46E7DF4CFB}" type="datetimeFigureOut">
               <a:rPr lang="pt-PT" smtClean="0"/>
-              <a:t>03/12/2020</a:t>
+              <a:t>10/12/2020</a:t>
             </a:fld>
             <a:endParaRPr lang="pt-PT"/>
           </a:p>
@@ -10043,7 +10059,7 @@
           <a:p>
             <a:fld id="{373817A6-5958-48BC-BB85-8B46E7DF4CFB}" type="datetimeFigureOut">
               <a:rPr lang="pt-PT" smtClean="0"/>
-              <a:t>03/12/2020</a:t>
+              <a:t>10/12/2020</a:t>
             </a:fld>
             <a:endParaRPr lang="pt-PT"/>
           </a:p>
@@ -18941,7 +18957,7 @@
           <a:p>
             <a:fld id="{373817A6-5958-48BC-BB85-8B46E7DF4CFB}" type="datetimeFigureOut">
               <a:rPr lang="pt-PT" smtClean="0"/>
-              <a:t>03/12/2020</a:t>
+              <a:t>10/12/2020</a:t>
             </a:fld>
             <a:endParaRPr lang="pt-PT"/>
           </a:p>
@@ -19215,7 +19231,7 @@
           <a:p>
             <a:fld id="{373817A6-5958-48BC-BB85-8B46E7DF4CFB}" type="datetimeFigureOut">
               <a:rPr lang="pt-PT" smtClean="0"/>
-              <a:t>03/12/2020</a:t>
+              <a:t>10/12/2020</a:t>
             </a:fld>
             <a:endParaRPr lang="pt-PT"/>
           </a:p>
@@ -19613,7 +19629,7 @@
           <a:p>
             <a:fld id="{373817A6-5958-48BC-BB85-8B46E7DF4CFB}" type="datetimeFigureOut">
               <a:rPr lang="pt-PT" smtClean="0"/>
-              <a:t>03/12/2020</a:t>
+              <a:t>10/12/2020</a:t>
             </a:fld>
             <a:endParaRPr lang="pt-PT"/>
           </a:p>
@@ -19731,7 +19747,7 @@
           <a:p>
             <a:fld id="{373817A6-5958-48BC-BB85-8B46E7DF4CFB}" type="datetimeFigureOut">
               <a:rPr lang="pt-PT" smtClean="0"/>
-              <a:t>03/12/2020</a:t>
+              <a:t>10/12/2020</a:t>
             </a:fld>
             <a:endParaRPr lang="pt-PT"/>
           </a:p>
@@ -19826,7 +19842,7 @@
           <a:p>
             <a:fld id="{373817A6-5958-48BC-BB85-8B46E7DF4CFB}" type="datetimeFigureOut">
               <a:rPr lang="pt-PT" smtClean="0"/>
-              <a:t>03/12/2020</a:t>
+              <a:t>10/12/2020</a:t>
             </a:fld>
             <a:endParaRPr lang="pt-PT"/>
           </a:p>
@@ -20116,7 +20132,7 @@
           <a:p>
             <a:fld id="{373817A6-5958-48BC-BB85-8B46E7DF4CFB}" type="datetimeFigureOut">
               <a:rPr lang="pt-PT" smtClean="0"/>
-              <a:t>03/12/2020</a:t>
+              <a:t>10/12/2020</a:t>
             </a:fld>
             <a:endParaRPr lang="pt-PT"/>
           </a:p>
@@ -20396,7 +20412,7 @@
           <a:p>
             <a:fld id="{373817A6-5958-48BC-BB85-8B46E7DF4CFB}" type="datetimeFigureOut">
               <a:rPr lang="pt-PT" smtClean="0"/>
-              <a:t>03/12/2020</a:t>
+              <a:t>10/12/2020</a:t>
             </a:fld>
             <a:endParaRPr lang="pt-PT"/>
           </a:p>
@@ -20646,7 +20662,7 @@
           <a:p>
             <a:fld id="{373817A6-5958-48BC-BB85-8B46E7DF4CFB}" type="datetimeFigureOut">
               <a:rPr lang="pt-PT" smtClean="0"/>
-              <a:t>03/12/2020</a:t>
+              <a:t>10/12/2020</a:t>
             </a:fld>
             <a:endParaRPr lang="pt-PT"/>
           </a:p>
@@ -23505,7 +23521,7 @@
         <p:spPr>
           <a:xfrm>
             <a:off x="1431235" y="2776898"/>
-            <a:ext cx="4532243" cy="2642775"/>
+            <a:ext cx="4532243" cy="3012107"/>
           </a:xfrm>
           <a:prstGeom prst="rect">
             <a:avLst/>
@@ -23636,19 +23652,22 @@
                 <a:latin typeface="Poppins" panose="00000500000000000000" pitchFamily="2" charset="0"/>
                 <a:cs typeface="Poppins" panose="00000500000000000000" pitchFamily="2" charset="0"/>
               </a:rPr>
-              <a:t>. Linguagens: Node.js, </a:t>
+              <a:t>. Linguagens: Node.js, HTML/</a:t>
             </a:r>
             <a:r>
               <a:rPr lang="pt-PT" sz="1600" dirty="0" err="1">
                 <a:latin typeface="Poppins" panose="00000500000000000000" pitchFamily="2" charset="0"/>
                 <a:cs typeface="Poppins" panose="00000500000000000000" pitchFamily="2" charset="0"/>
               </a:rPr>
-              <a:t>React</a:t>
+              <a:t>Css</a:t>
             </a:r>
-            <a:endParaRPr lang="pt-PT" sz="1600" dirty="0">
-              <a:latin typeface="Poppins" panose="00000500000000000000" pitchFamily="2" charset="0"/>
-              <a:cs typeface="Poppins" panose="00000500000000000000" pitchFamily="2" charset="0"/>
-            </a:endParaRPr>
+            <a:r>
+              <a:rPr lang="pt-PT" sz="1600" dirty="0">
+                <a:latin typeface="Poppins" panose="00000500000000000000" pitchFamily="2" charset="0"/>
+                <a:cs typeface="Poppins" panose="00000500000000000000" pitchFamily="2" charset="0"/>
+              </a:rPr>
+              <a:t>, JavaScript</a:t>
+            </a:r>
           </a:p>
           <a:p>
             <a:pPr indent="457200">
